--- a/Lecture Slides/03 Software Process.pptx
+++ b/Lecture Slides/03 Software Process.pptx
@@ -261,7 +261,7 @@
           <a:p>
             <a:fld id="{5896A8B8-A7CB-914F-A9DE-93D0CA668D65}" type="datetimeFigureOut">
               <a:rPr lang="en-US" smtClean="0"/>
-              <a:t>10/5/2018</a:t>
+              <a:t>10/7/2018</a:t>
             </a:fld>
             <a:endParaRPr lang="en-US"/>
           </a:p>
@@ -424,7 +424,7 @@
           <a:p>
             <a:fld id="{5896A8B8-A7CB-914F-A9DE-93D0CA668D65}" type="datetimeFigureOut">
               <a:rPr lang="en-US" smtClean="0"/>
-              <a:t>10/5/2018</a:t>
+              <a:t>10/7/2018</a:t>
             </a:fld>
             <a:endParaRPr lang="en-US"/>
           </a:p>
@@ -597,7 +597,7 @@
           <a:p>
             <a:fld id="{5896A8B8-A7CB-914F-A9DE-93D0CA668D65}" type="datetimeFigureOut">
               <a:rPr lang="en-US" smtClean="0"/>
-              <a:t>10/5/2018</a:t>
+              <a:t>10/7/2018</a:t>
             </a:fld>
             <a:endParaRPr lang="en-US"/>
           </a:p>
@@ -808,7 +808,7 @@
           <a:p>
             <a:fld id="{5896A8B8-A7CB-914F-A9DE-93D0CA668D65}" type="datetimeFigureOut">
               <a:rPr lang="en-US" smtClean="0"/>
-              <a:t>10/5/2018</a:t>
+              <a:t>10/7/2018</a:t>
             </a:fld>
             <a:endParaRPr lang="en-US"/>
           </a:p>
@@ -1048,7 +1048,7 @@
           <a:p>
             <a:fld id="{5896A8B8-A7CB-914F-A9DE-93D0CA668D65}" type="datetimeFigureOut">
               <a:rPr lang="en-US" smtClean="0"/>
-              <a:t>10/5/2018</a:t>
+              <a:t>10/7/2018</a:t>
             </a:fld>
             <a:endParaRPr lang="en-US"/>
           </a:p>
@@ -1272,7 +1272,7 @@
           <a:p>
             <a:fld id="{5896A8B8-A7CB-914F-A9DE-93D0CA668D65}" type="datetimeFigureOut">
               <a:rPr lang="en-US" smtClean="0"/>
-              <a:t>10/5/2018</a:t>
+              <a:t>10/7/2018</a:t>
             </a:fld>
             <a:endParaRPr lang="en-US"/>
           </a:p>
@@ -1631,7 +1631,7 @@
           <a:p>
             <a:fld id="{5896A8B8-A7CB-914F-A9DE-93D0CA668D65}" type="datetimeFigureOut">
               <a:rPr lang="en-US" smtClean="0"/>
-              <a:t>10/5/2018</a:t>
+              <a:t>10/7/2018</a:t>
             </a:fld>
             <a:endParaRPr lang="en-US"/>
           </a:p>
@@ -1743,7 +1743,7 @@
           <a:p>
             <a:fld id="{5896A8B8-A7CB-914F-A9DE-93D0CA668D65}" type="datetimeFigureOut">
               <a:rPr lang="en-US" smtClean="0"/>
-              <a:t>10/5/2018</a:t>
+              <a:t>10/7/2018</a:t>
             </a:fld>
             <a:endParaRPr lang="en-US"/>
           </a:p>
@@ -1833,7 +1833,7 @@
           <a:p>
             <a:fld id="{5896A8B8-A7CB-914F-A9DE-93D0CA668D65}" type="datetimeFigureOut">
               <a:rPr lang="en-US" smtClean="0"/>
-              <a:t>10/5/2018</a:t>
+              <a:t>10/7/2018</a:t>
             </a:fld>
             <a:endParaRPr lang="en-US"/>
           </a:p>
@@ -2103,7 +2103,7 @@
           <a:p>
             <a:fld id="{5896A8B8-A7CB-914F-A9DE-93D0CA668D65}" type="datetimeFigureOut">
               <a:rPr lang="en-US" smtClean="0"/>
-              <a:t>10/5/2018</a:t>
+              <a:t>10/7/2018</a:t>
             </a:fld>
             <a:endParaRPr lang="en-US"/>
           </a:p>
@@ -2350,7 +2350,7 @@
           <a:p>
             <a:fld id="{5896A8B8-A7CB-914F-A9DE-93D0CA668D65}" type="datetimeFigureOut">
               <a:rPr lang="en-US" smtClean="0"/>
-              <a:t>10/5/2018</a:t>
+              <a:t>10/7/2018</a:t>
             </a:fld>
             <a:endParaRPr lang="en-US"/>
           </a:p>
@@ -2558,7 +2558,7 @@
             <a:fld id="{5896A8B8-A7CB-914F-A9DE-93D0CA668D65}" type="datetimeFigureOut">
               <a:rPr lang="en-US" smtClean="0"/>
               <a:pPr/>
-              <a:t>10/5/2018</a:t>
+              <a:t>10/7/2018</a:t>
             </a:fld>
             <a:endParaRPr lang="en-US"/>
           </a:p>
@@ -3597,7 +3597,7 @@
           <a:p>
             <a:r>
               <a:rPr lang="en-GB" dirty="0"/>
-              <a:t>Before we implement any requirements, we need an overall structure for the system</a:t>
+              <a:t>Before we implement anything, we need an overall structure for the system</a:t>
             </a:r>
           </a:p>
           <a:p>
@@ -3707,7 +3707,7 @@
           <a:p>
             <a:r>
               <a:rPr lang="en-GB" dirty="0"/>
-              <a:t>API partitioning and firewalling</a:t>
+              <a:t>API partitioning and “firewalling”</a:t>
             </a:r>
           </a:p>
           <a:p>
@@ -3731,6 +3731,12 @@
             </a:r>
           </a:p>
           <a:p>
+            <a:endParaRPr lang="en-GB" dirty="0"/>
+          </a:p>
+          <a:p>
+            <a:pPr marL="0" indent="0">
+              <a:buNone/>
+            </a:pPr>
             <a:r>
               <a:rPr lang="en-GB" dirty="0"/>
               <a:t>Docs and training material also need writing !</a:t>
@@ -3963,7 +3969,7 @@
           <a:p>
             <a:r>
               <a:rPr lang="en-GB" dirty="0"/>
-              <a:t>Or more modern automatic “push” updates</a:t>
+              <a:t>Or more modern automated “push” updates</a:t>
             </a:r>
           </a:p>
           <a:p>
@@ -4084,7 +4090,7 @@
             </a:pPr>
             <a:r>
               <a:rPr lang="en-GB" dirty="0"/>
-              <a:t>In later weeks we’ll consider stages in more detail</a:t>
+              <a:t>In later weeks we’ll consider these in more detail</a:t>
             </a:r>
           </a:p>
           <a:p>
@@ -4402,7 +4408,7 @@
             </a:pPr>
             <a:r>
               <a:rPr lang="en-GB" sz="2800" dirty="0"/>
-              <a:t>Chefs (developers)</a:t>
+              <a:t>chefs (developers)</a:t>
             </a:r>
           </a:p>
           <a:p>
@@ -4523,45 +4529,69 @@
           </a:bodyPr>
           <a:lstStyle/>
           <a:p>
-            <a:r>
-              <a:rPr lang="en-GB" dirty="0"/>
-              <a:t>All very well talking about theory of working with clients</a:t>
-            </a:r>
-          </a:p>
-          <a:p>
-            <a:r>
-              <a:rPr lang="en-GB" dirty="0"/>
-              <a:t>But reality of dealing with them is a different ballgame</a:t>
-            </a:r>
-          </a:p>
-          <a:p>
+            <a:pPr marL="0" indent="0">
+              <a:buNone/>
+            </a:pPr>
+            <a:r>
+              <a:rPr lang="en-GB" dirty="0"/>
+              <a:t>All very well talking about theory of working with clients,</a:t>
+            </a:r>
+          </a:p>
+          <a:p>
+            <a:pPr marL="0" indent="0">
+              <a:buNone/>
+            </a:pPr>
+            <a:r>
+              <a:rPr lang="en-GB" dirty="0"/>
+              <a:t>but reality of dealing with them is a different ballgame</a:t>
+            </a:r>
+          </a:p>
+          <a:p>
+            <a:pPr marL="0" indent="0">
+              <a:buNone/>
+            </a:pPr>
             <a:endParaRPr lang="en-GB" dirty="0"/>
           </a:p>
           <a:p>
-            <a:r>
-              <a:rPr lang="en-GB" dirty="0"/>
-              <a:t>It’s worth taking a look at how things work in real world</a:t>
-            </a:r>
-          </a:p>
-          <a:p>
-            <a:r>
-              <a:rPr lang="en-GB" dirty="0"/>
-              <a:t>Illustrated with some examples from previous projects</a:t>
-            </a:r>
-          </a:p>
-          <a:p>
+            <a:pPr marL="0" indent="0">
+              <a:buNone/>
+            </a:pPr>
+            <a:r>
+              <a:rPr lang="en-GB" dirty="0"/>
+              <a:t>It’s worth taking a look at how things work in real world,</a:t>
+            </a:r>
+          </a:p>
+          <a:p>
+            <a:pPr marL="0" indent="0">
+              <a:buNone/>
+            </a:pPr>
+            <a:r>
+              <a:rPr lang="en-GB" dirty="0"/>
+              <a:t>illustrated with some examples from previous projects</a:t>
+            </a:r>
+          </a:p>
+          <a:p>
+            <a:pPr marL="0" indent="0">
+              <a:buNone/>
+            </a:pPr>
             <a:endParaRPr lang="en-GB" dirty="0"/>
           </a:p>
           <a:p>
-            <a:r>
-              <a:rPr lang="en-GB" dirty="0"/>
-              <a:t>It would be indelicate to mention the clients by name</a:t>
-            </a:r>
-          </a:p>
-          <a:p>
-            <a:r>
-              <a:rPr lang="en-GB" dirty="0"/>
-              <a:t>But you might be able to guess who they are ;o)</a:t>
+            <a:pPr marL="0" indent="0">
+              <a:buNone/>
+            </a:pPr>
+            <a:r>
+              <a:rPr lang="en-GB" dirty="0"/>
+              <a:t>It would be indelicate to mention the clients by name,</a:t>
+            </a:r>
+          </a:p>
+          <a:p>
+            <a:pPr marL="0" indent="0">
+              <a:buNone/>
+            </a:pPr>
+            <a:r>
+              <a:rPr lang="en-GB" dirty="0"/>
+              <a:t>but you might be able to guess who they are ;o)</a:t>
             </a:r>
           </a:p>
         </p:txBody>
@@ -4660,6 +4690,15 @@
         <p:txBody>
           <a:bodyPr/>
           <a:lstStyle/>
+          <a:p>
+            <a:pPr marL="0" indent="0" algn="ctr">
+              <a:buNone/>
+            </a:pPr>
+            <a:r>
+              <a:rPr lang="en-GB" dirty="0"/>
+              <a:t>In parallel with academic work…</a:t>
+            </a:r>
+          </a:p>
           <a:p>
             <a:pPr marL="0" indent="0" algn="ctr">
               <a:buNone/>
@@ -5211,7 +5250,7 @@
           <a:p>
             <a:r>
               <a:rPr lang="en-GB" dirty="0"/>
-              <a:t>Stand-alone "desktop" applications </a:t>
+              <a:t>Stand-alone desktop applications </a:t>
             </a:r>
           </a:p>
           <a:p>
